--- a/ppt/PythonMath12-ScikitLearn.pptx
+++ b/ppt/PythonMath12-ScikitLearn.pptx
@@ -6937,6 +6937,29 @@
           <a:lstStyle/>
           <a:p>
             <a:r>
+              <a:rPr lang="fr-FR" dirty="0" err="1"/>
+              <a:t>Pip</a:t>
+            </a:r>
+            <a:r>
+              <a:rPr lang="fr-FR" dirty="0"/>
+              <a:t> </a:t>
+            </a:r>
+            <a:r>
+              <a:rPr lang="fr-FR" dirty="0" err="1"/>
+              <a:t>install</a:t>
+            </a:r>
+            <a:r>
+              <a:rPr lang="fr-FR" dirty="0"/>
+              <a:t> </a:t>
+            </a:r>
+            <a:r>
+              <a:rPr lang="fr-FR" dirty="0" err="1"/>
+              <a:t>scikit-learn</a:t>
+            </a:r>
+            <a:endParaRPr lang="fr-FR" dirty="0"/>
+          </a:p>
+          <a:p>
+            <a:r>
               <a:rPr lang="fr-FR" dirty="0"/>
               <a:t>Commençons par la régression linéaire</a:t>
             </a:r>
@@ -6949,18 +6972,6 @@
             <a:r>
               <a:rPr lang="fr-FR" dirty="0" err="1"/>
               <a:t>sklearn.linearmodel</a:t>
-            </a:r>
-            <a:endParaRPr lang="fr-FR" dirty="0"/>
-          </a:p>
-          <a:p>
-            <a:pPr lvl="1"/>
-            <a:r>
-              <a:rPr lang="fr-FR" dirty="0"/>
-              <a:t>Minimisation de l’erreur </a:t>
-            </a:r>
-            <a:r>
-              <a:rPr lang="fr-FR" dirty="0" err="1"/>
-              <a:t>quadritique</a:t>
             </a:r>
             <a:endParaRPr lang="fr-FR" dirty="0"/>
           </a:p>
